--- a/images/Time-At-Temperature-Presentation.pptx
+++ b/images/Time-At-Temperature-Presentation.pptx
@@ -20,6 +20,14 @@
     <p:sldId id="268" r:id="rId14"/>
     <p:sldId id="269" r:id="rId15"/>
     <p:sldId id="270" r:id="rId16"/>
+    <p:sldId id="271" r:id="rId17"/>
+    <p:sldId id="272" r:id="rId18"/>
+    <p:sldId id="273" r:id="rId19"/>
+    <p:sldId id="274" r:id="rId20"/>
+    <p:sldId id="275" r:id="rId21"/>
+    <p:sldId id="277" r:id="rId22"/>
+    <p:sldId id="278" r:id="rId23"/>
+    <p:sldId id="280" r:id="rId24"/>
   </p:sldIdLst>
   <p:sldSz cx="12192000" cy="6858000"/>
   <p:notesSz cx="6858000" cy="9144000"/>
@@ -3581,11 +3589,7 @@
             <a:pPr algn="ctr"/>
             <a:r>
               <a:rPr lang="en-US" sz="7200" dirty="0" smtClean="0"/>
-              <a:t>The </a:t>
-            </a:r>
-            <a:r>
-              <a:rPr lang="en-US" sz="7200" dirty="0" smtClean="0"/>
-              <a:t>Math:</a:t>
+              <a:t>The Math:</a:t>
             </a:r>
             <a:endParaRPr lang="en-US" sz="7200" dirty="0"/>
           </a:p>
@@ -3606,6 +3610,686 @@
             <a:avLst/>
           </a:prstGeom>
           <a:ln w="38100"/>
+        </p:spPr>
+        <p:style>
+          <a:lnRef idx="1">
+            <a:schemeClr val="accent1"/>
+          </a:lnRef>
+          <a:fillRef idx="0">
+            <a:schemeClr val="accent1"/>
+          </a:fillRef>
+          <a:effectRef idx="0">
+            <a:schemeClr val="accent1"/>
+          </a:effectRef>
+          <a:fontRef idx="minor">
+            <a:schemeClr val="tx1"/>
+          </a:fontRef>
+        </p:style>
+      </p:cxnSp>
+      <p:sp>
+        <p:nvSpPr>
+          <p:cNvPr id="4" name="TextBox 3"/>
+          <p:cNvSpPr txBox="1"/>
+          <p:nvPr/>
+        </p:nvSpPr>
+        <p:spPr>
+          <a:xfrm>
+            <a:off x="1405467" y="2472267"/>
+            <a:ext cx="8695266" cy="2308324"/>
+          </a:xfrm>
+          <a:prstGeom prst="rect">
+            <a:avLst/>
+          </a:prstGeom>
+          <a:noFill/>
+        </p:spPr>
+        <p:txBody>
+          <a:bodyPr wrap="square" rtlCol="0">
+            <a:spAutoFit/>
+          </a:bodyPr>
+          <a:lstStyle/>
+          <a:p>
+            <a:pPr algn="ctr"/>
+            <a:r>
+              <a:rPr lang="en-US" sz="4800" dirty="0" smtClean="0"/>
+              <a:t>At the end of the day, we want the time it takes to reach a degree of cure.</a:t>
+            </a:r>
+            <a:endParaRPr lang="en-US" sz="4800" dirty="0" smtClean="0"/>
+          </a:p>
+        </p:txBody>
+      </p:sp>
+    </p:spTree>
+    <p:extLst>
+      <p:ext uri="{BB962C8B-B14F-4D97-AF65-F5344CB8AC3E}">
+        <p14:creationId xmlns:p14="http://schemas.microsoft.com/office/powerpoint/2010/main" val="3858619653"/>
+      </p:ext>
+    </p:extLst>
+  </p:cSld>
+  <p:clrMapOvr>
+    <a:masterClrMapping/>
+  </p:clrMapOvr>
+</p:sld>
+</file>
+
+<file path=ppt/slides/slide16.xml><?xml version="1.0" encoding="utf-8"?>
+<p:sld xmlns:a="http://schemas.openxmlformats.org/drawingml/2006/main" xmlns:r="http://schemas.openxmlformats.org/officeDocument/2006/relationships" xmlns:p="http://schemas.openxmlformats.org/presentationml/2006/main">
+  <p:cSld>
+    <p:spTree>
+      <p:nvGrpSpPr>
+        <p:cNvPr id="1" name=""/>
+        <p:cNvGrpSpPr/>
+        <p:nvPr/>
+      </p:nvGrpSpPr>
+      <p:grpSpPr>
+        <a:xfrm>
+          <a:off x="0" y="0"/>
+          <a:ext cx="0" cy="0"/>
+          <a:chOff x="0" y="0"/>
+          <a:chExt cx="0" cy="0"/>
+        </a:xfrm>
+      </p:grpSpPr>
+      <p:sp>
+        <p:nvSpPr>
+          <p:cNvPr id="6" name="TextBox 5"/>
+          <p:cNvSpPr txBox="1"/>
+          <p:nvPr/>
+        </p:nvSpPr>
+        <p:spPr>
+          <a:xfrm>
+            <a:off x="1202267" y="889000"/>
+            <a:ext cx="8737600" cy="1200329"/>
+          </a:xfrm>
+          <a:prstGeom prst="rect">
+            <a:avLst/>
+          </a:prstGeom>
+          <a:noFill/>
+        </p:spPr>
+        <p:txBody>
+          <a:bodyPr wrap="square" rtlCol="0">
+            <a:spAutoFit/>
+          </a:bodyPr>
+          <a:lstStyle/>
+          <a:p>
+            <a:pPr algn="ctr"/>
+            <a:r>
+              <a:rPr lang="en-US" sz="7200" dirty="0" smtClean="0"/>
+              <a:t>The Math:</a:t>
+            </a:r>
+            <a:endParaRPr lang="en-US" sz="7200" dirty="0"/>
+          </a:p>
+        </p:txBody>
+      </p:sp>
+      <p:cxnSp>
+        <p:nvCxnSpPr>
+          <p:cNvPr id="9" name="Straight Connector 8"/>
+          <p:cNvCxnSpPr/>
+          <p:nvPr/>
+        </p:nvCxnSpPr>
+        <p:spPr>
+          <a:xfrm>
+            <a:off x="1024467" y="2192867"/>
+            <a:ext cx="9508066" cy="0"/>
+          </a:xfrm>
+          <a:prstGeom prst="line">
+            <a:avLst/>
+          </a:prstGeom>
+          <a:ln w="38100"/>
+        </p:spPr>
+        <p:style>
+          <a:lnRef idx="1">
+            <a:schemeClr val="accent1"/>
+          </a:lnRef>
+          <a:fillRef idx="0">
+            <a:schemeClr val="accent1"/>
+          </a:fillRef>
+          <a:effectRef idx="0">
+            <a:schemeClr val="accent1"/>
+          </a:effectRef>
+          <a:fontRef idx="minor">
+            <a:schemeClr val="tx1"/>
+          </a:fontRef>
+        </p:style>
+      </p:cxnSp>
+      <p:pic>
+        <p:nvPicPr>
+          <p:cNvPr id="2" name="Picture 1"/>
+          <p:cNvPicPr>
+            <a:picLocks noChangeAspect="1"/>
+          </p:cNvPicPr>
+          <p:nvPr/>
+        </p:nvPicPr>
+        <p:blipFill>
+          <a:blip r:embed="rId2">
+            <a:extLst>
+              <a:ext uri="{28A0092B-C50C-407E-A947-70E740481C1C}">
+                <a14:useLocalDpi xmlns:a14="http://schemas.microsoft.com/office/drawing/2010/main" val="0"/>
+              </a:ext>
+            </a:extLst>
+          </a:blip>
+          <a:stretch>
+            <a:fillRect/>
+          </a:stretch>
+        </p:blipFill>
+        <p:spPr>
+          <a:xfrm>
+            <a:off x="1725505" y="2684168"/>
+            <a:ext cx="7691124" cy="898495"/>
+          </a:xfrm>
+          <a:prstGeom prst="rect">
+            <a:avLst/>
+          </a:prstGeom>
+        </p:spPr>
+      </p:pic>
+      <p:sp>
+        <p:nvSpPr>
+          <p:cNvPr id="5" name="TextBox 4"/>
+          <p:cNvSpPr txBox="1"/>
+          <p:nvPr/>
+        </p:nvSpPr>
+        <p:spPr>
+          <a:xfrm>
+            <a:off x="2252133" y="4876800"/>
+            <a:ext cx="2788584" cy="369332"/>
+          </a:xfrm>
+          <a:prstGeom prst="rect">
+            <a:avLst/>
+          </a:prstGeom>
+          <a:noFill/>
+        </p:spPr>
+        <p:txBody>
+          <a:bodyPr wrap="none" rtlCol="0">
+            <a:spAutoFit/>
+          </a:bodyPr>
+          <a:lstStyle/>
+          <a:p>
+            <a:r>
+              <a:rPr lang="en-US" dirty="0" smtClean="0"/>
+              <a:t>(Please forgive the calculus)</a:t>
+            </a:r>
+            <a:endParaRPr lang="en-US" dirty="0"/>
+          </a:p>
+        </p:txBody>
+      </p:sp>
+    </p:spTree>
+    <p:extLst>
+      <p:ext uri="{BB962C8B-B14F-4D97-AF65-F5344CB8AC3E}">
+        <p14:creationId xmlns:p14="http://schemas.microsoft.com/office/powerpoint/2010/main" val="3031783105"/>
+      </p:ext>
+    </p:extLst>
+  </p:cSld>
+  <p:clrMapOvr>
+    <a:masterClrMapping/>
+  </p:clrMapOvr>
+</p:sld>
+</file>
+
+<file path=ppt/slides/slide17.xml><?xml version="1.0" encoding="utf-8"?>
+<p:sld xmlns:a="http://schemas.openxmlformats.org/drawingml/2006/main" xmlns:r="http://schemas.openxmlformats.org/officeDocument/2006/relationships" xmlns:p="http://schemas.openxmlformats.org/presentationml/2006/main">
+  <p:cSld>
+    <p:spTree>
+      <p:nvGrpSpPr>
+        <p:cNvPr id="1" name=""/>
+        <p:cNvGrpSpPr/>
+        <p:nvPr/>
+      </p:nvGrpSpPr>
+      <p:grpSpPr>
+        <a:xfrm>
+          <a:off x="0" y="0"/>
+          <a:ext cx="0" cy="0"/>
+          <a:chOff x="0" y="0"/>
+          <a:chExt cx="0" cy="0"/>
+        </a:xfrm>
+      </p:grpSpPr>
+      <p:sp>
+        <p:nvSpPr>
+          <p:cNvPr id="6" name="TextBox 5"/>
+          <p:cNvSpPr txBox="1"/>
+          <p:nvPr/>
+        </p:nvSpPr>
+        <p:spPr>
+          <a:xfrm>
+            <a:off x="1202267" y="889000"/>
+            <a:ext cx="8737600" cy="1200329"/>
+          </a:xfrm>
+          <a:prstGeom prst="rect">
+            <a:avLst/>
+          </a:prstGeom>
+          <a:noFill/>
+        </p:spPr>
+        <p:txBody>
+          <a:bodyPr wrap="square" rtlCol="0">
+            <a:spAutoFit/>
+          </a:bodyPr>
+          <a:lstStyle/>
+          <a:p>
+            <a:pPr algn="ctr"/>
+            <a:r>
+              <a:rPr lang="en-US" sz="7200" dirty="0" smtClean="0"/>
+              <a:t>The Math:</a:t>
+            </a:r>
+            <a:endParaRPr lang="en-US" sz="7200" dirty="0"/>
+          </a:p>
+        </p:txBody>
+      </p:sp>
+      <p:cxnSp>
+        <p:nvCxnSpPr>
+          <p:cNvPr id="9" name="Straight Connector 8"/>
+          <p:cNvCxnSpPr/>
+          <p:nvPr/>
+        </p:nvCxnSpPr>
+        <p:spPr>
+          <a:xfrm>
+            <a:off x="1024467" y="2192867"/>
+            <a:ext cx="9508066" cy="0"/>
+          </a:xfrm>
+          <a:prstGeom prst="line">
+            <a:avLst/>
+          </a:prstGeom>
+          <a:ln w="38100"/>
+        </p:spPr>
+        <p:style>
+          <a:lnRef idx="1">
+            <a:schemeClr val="accent1"/>
+          </a:lnRef>
+          <a:fillRef idx="0">
+            <a:schemeClr val="accent1"/>
+          </a:fillRef>
+          <a:effectRef idx="0">
+            <a:schemeClr val="accent1"/>
+          </a:effectRef>
+          <a:fontRef idx="minor">
+            <a:schemeClr val="tx1"/>
+          </a:fontRef>
+        </p:style>
+      </p:cxnSp>
+      <p:pic>
+        <p:nvPicPr>
+          <p:cNvPr id="2" name="Picture 1"/>
+          <p:cNvPicPr>
+            <a:picLocks noChangeAspect="1"/>
+          </p:cNvPicPr>
+          <p:nvPr/>
+        </p:nvPicPr>
+        <p:blipFill>
+          <a:blip r:embed="rId2">
+            <a:extLst>
+              <a:ext uri="{28A0092B-C50C-407E-A947-70E740481C1C}">
+                <a14:useLocalDpi xmlns:a14="http://schemas.microsoft.com/office/drawing/2010/main" val="0"/>
+              </a:ext>
+            </a:extLst>
+          </a:blip>
+          <a:stretch>
+            <a:fillRect/>
+          </a:stretch>
+        </p:blipFill>
+        <p:spPr>
+          <a:xfrm>
+            <a:off x="1725505" y="2684168"/>
+            <a:ext cx="7691123" cy="898495"/>
+          </a:xfrm>
+          <a:prstGeom prst="rect">
+            <a:avLst/>
+          </a:prstGeom>
+        </p:spPr>
+      </p:pic>
+      <p:sp>
+        <p:nvSpPr>
+          <p:cNvPr id="3" name="TextBox 2"/>
+          <p:cNvSpPr txBox="1"/>
+          <p:nvPr/>
+        </p:nvSpPr>
+        <p:spPr>
+          <a:xfrm>
+            <a:off x="736600" y="4251295"/>
+            <a:ext cx="1658980" cy="369332"/>
+          </a:xfrm>
+          <a:prstGeom prst="rect">
+            <a:avLst/>
+          </a:prstGeom>
+          <a:noFill/>
+        </p:spPr>
+        <p:txBody>
+          <a:bodyPr wrap="none" rtlCol="0">
+            <a:spAutoFit/>
+          </a:bodyPr>
+          <a:lstStyle/>
+          <a:p>
+            <a:r>
+              <a:rPr lang="en-US" dirty="0" smtClean="0"/>
+              <a:t>Time to reach </a:t>
+            </a:r>
+            <a:r>
+              <a:rPr lang="el-GR" dirty="0" smtClean="0"/>
+              <a:t>α</a:t>
+            </a:r>
+            <a:endParaRPr lang="en-US" dirty="0"/>
+          </a:p>
+        </p:txBody>
+      </p:sp>
+      <p:cxnSp>
+        <p:nvCxnSpPr>
+          <p:cNvPr id="5" name="Straight Arrow Connector 4"/>
+          <p:cNvCxnSpPr/>
+          <p:nvPr/>
+        </p:nvCxnSpPr>
+        <p:spPr>
+          <a:xfrm flipV="1">
+            <a:off x="1642533" y="3352800"/>
+            <a:ext cx="169334" cy="863600"/>
+          </a:xfrm>
+          <a:prstGeom prst="straightConnector1">
+            <a:avLst/>
+          </a:prstGeom>
+          <a:ln>
+            <a:solidFill>
+              <a:schemeClr val="tx1"/>
+            </a:solidFill>
+            <a:tailEnd type="triangle"/>
+          </a:ln>
+        </p:spPr>
+        <p:style>
+          <a:lnRef idx="1">
+            <a:schemeClr val="accent1"/>
+          </a:lnRef>
+          <a:fillRef idx="0">
+            <a:schemeClr val="accent1"/>
+          </a:fillRef>
+          <a:effectRef idx="0">
+            <a:schemeClr val="accent1"/>
+          </a:effectRef>
+          <a:fontRef idx="minor">
+            <a:schemeClr val="tx1"/>
+          </a:fontRef>
+        </p:style>
+      </p:cxnSp>
+      <p:sp>
+        <p:nvSpPr>
+          <p:cNvPr id="8" name="TextBox 7"/>
+          <p:cNvSpPr txBox="1"/>
+          <p:nvPr/>
+        </p:nvSpPr>
+        <p:spPr>
+          <a:xfrm>
+            <a:off x="4732867" y="4620627"/>
+            <a:ext cx="2435731" cy="646331"/>
+          </a:xfrm>
+          <a:prstGeom prst="rect">
+            <a:avLst/>
+          </a:prstGeom>
+          <a:noFill/>
+        </p:spPr>
+        <p:txBody>
+          <a:bodyPr wrap="none" rtlCol="0">
+            <a:spAutoFit/>
+          </a:bodyPr>
+          <a:lstStyle/>
+          <a:p>
+            <a:r>
+              <a:rPr lang="en-US" dirty="0" smtClean="0"/>
+              <a:t>Isothermal temperature</a:t>
+            </a:r>
+          </a:p>
+          <a:p>
+            <a:r>
+              <a:rPr lang="en-US" dirty="0" smtClean="0"/>
+              <a:t>For prediction</a:t>
+            </a:r>
+            <a:endParaRPr lang="en-US" dirty="0"/>
+          </a:p>
+        </p:txBody>
+      </p:sp>
+      <p:cxnSp>
+        <p:nvCxnSpPr>
+          <p:cNvPr id="10" name="Straight Arrow Connector 9"/>
+          <p:cNvCxnSpPr/>
+          <p:nvPr/>
+        </p:nvCxnSpPr>
+        <p:spPr>
+          <a:xfrm flipH="1" flipV="1">
+            <a:off x="8754533" y="3360989"/>
+            <a:ext cx="109581" cy="712974"/>
+          </a:xfrm>
+          <a:prstGeom prst="straightConnector1">
+            <a:avLst/>
+          </a:prstGeom>
+          <a:ln>
+            <a:solidFill>
+              <a:schemeClr val="tx1"/>
+            </a:solidFill>
+            <a:tailEnd type="triangle"/>
+          </a:ln>
+        </p:spPr>
+        <p:style>
+          <a:lnRef idx="1">
+            <a:schemeClr val="accent1"/>
+          </a:lnRef>
+          <a:fillRef idx="0">
+            <a:schemeClr val="accent1"/>
+          </a:fillRef>
+          <a:effectRef idx="0">
+            <a:schemeClr val="accent1"/>
+          </a:effectRef>
+          <a:fontRef idx="minor">
+            <a:schemeClr val="tx1"/>
+          </a:fontRef>
+        </p:style>
+      </p:cxnSp>
+      <p:sp>
+        <p:nvSpPr>
+          <p:cNvPr id="12" name="TextBox 11"/>
+          <p:cNvSpPr txBox="1"/>
+          <p:nvPr/>
+        </p:nvSpPr>
+        <p:spPr>
+          <a:xfrm>
+            <a:off x="8096802" y="4112794"/>
+            <a:ext cx="1944665" cy="923330"/>
+          </a:xfrm>
+          <a:prstGeom prst="rect">
+            <a:avLst/>
+          </a:prstGeom>
+          <a:noFill/>
+        </p:spPr>
+        <p:txBody>
+          <a:bodyPr wrap="square" rtlCol="0">
+            <a:spAutoFit/>
+          </a:bodyPr>
+          <a:lstStyle/>
+          <a:p>
+            <a:r>
+              <a:rPr lang="en-US" dirty="0" smtClean="0"/>
+              <a:t>Temperature and time from experimental data</a:t>
+            </a:r>
+          </a:p>
+        </p:txBody>
+      </p:sp>
+      <p:cxnSp>
+        <p:nvCxnSpPr>
+          <p:cNvPr id="14" name="Straight Arrow Connector 13"/>
+          <p:cNvCxnSpPr/>
+          <p:nvPr/>
+        </p:nvCxnSpPr>
+        <p:spPr>
+          <a:xfrm flipH="1" flipV="1">
+            <a:off x="6635198" y="3582663"/>
+            <a:ext cx="1420119" cy="687715"/>
+          </a:xfrm>
+          <a:prstGeom prst="straightConnector1">
+            <a:avLst/>
+          </a:prstGeom>
+          <a:ln>
+            <a:solidFill>
+              <a:schemeClr val="tx1"/>
+            </a:solidFill>
+            <a:tailEnd type="triangle"/>
+          </a:ln>
+        </p:spPr>
+        <p:style>
+          <a:lnRef idx="1">
+            <a:schemeClr val="accent1"/>
+          </a:lnRef>
+          <a:fillRef idx="0">
+            <a:schemeClr val="accent1"/>
+          </a:fillRef>
+          <a:effectRef idx="0">
+            <a:schemeClr val="accent1"/>
+          </a:effectRef>
+          <a:fontRef idx="minor">
+            <a:schemeClr val="tx1"/>
+          </a:fontRef>
+        </p:style>
+      </p:cxnSp>
+      <p:cxnSp>
+        <p:nvCxnSpPr>
+          <p:cNvPr id="15" name="Straight Arrow Connector 14"/>
+          <p:cNvCxnSpPr/>
+          <p:nvPr/>
+        </p:nvCxnSpPr>
+        <p:spPr>
+          <a:xfrm flipH="1" flipV="1">
+            <a:off x="5003800" y="3404105"/>
+            <a:ext cx="187600" cy="1161887"/>
+          </a:xfrm>
+          <a:prstGeom prst="straightConnector1">
+            <a:avLst/>
+          </a:prstGeom>
+          <a:ln>
+            <a:solidFill>
+              <a:schemeClr val="tx1"/>
+            </a:solidFill>
+            <a:tailEnd type="triangle"/>
+          </a:ln>
+        </p:spPr>
+        <p:style>
+          <a:lnRef idx="1">
+            <a:schemeClr val="accent1"/>
+          </a:lnRef>
+          <a:fillRef idx="0">
+            <a:schemeClr val="accent1"/>
+          </a:fillRef>
+          <a:effectRef idx="0">
+            <a:schemeClr val="accent1"/>
+          </a:effectRef>
+          <a:fontRef idx="minor">
+            <a:schemeClr val="tx1"/>
+          </a:fontRef>
+        </p:style>
+      </p:cxnSp>
+      <p:sp>
+        <p:nvSpPr>
+          <p:cNvPr id="19" name="TextBox 18"/>
+          <p:cNvSpPr txBox="1"/>
+          <p:nvPr/>
+        </p:nvSpPr>
+        <p:spPr>
+          <a:xfrm>
+            <a:off x="3680912" y="4085712"/>
+            <a:ext cx="1391920" cy="369332"/>
+          </a:xfrm>
+          <a:prstGeom prst="rect">
+            <a:avLst/>
+          </a:prstGeom>
+          <a:noFill/>
+        </p:spPr>
+        <p:txBody>
+          <a:bodyPr wrap="none" rtlCol="0">
+            <a:spAutoFit/>
+          </a:bodyPr>
+          <a:lstStyle/>
+          <a:p>
+            <a:r>
+              <a:rPr lang="en-US" dirty="0" smtClean="0"/>
+              <a:t>Gas constant</a:t>
+            </a:r>
+            <a:endParaRPr lang="en-US" dirty="0"/>
+          </a:p>
+        </p:txBody>
+      </p:sp>
+      <p:cxnSp>
+        <p:nvCxnSpPr>
+          <p:cNvPr id="20" name="Straight Arrow Connector 19"/>
+          <p:cNvCxnSpPr/>
+          <p:nvPr/>
+        </p:nvCxnSpPr>
+        <p:spPr>
+          <a:xfrm flipV="1">
+            <a:off x="4511188" y="3336036"/>
+            <a:ext cx="107137" cy="590484"/>
+          </a:xfrm>
+          <a:prstGeom prst="straightConnector1">
+            <a:avLst/>
+          </a:prstGeom>
+          <a:ln>
+            <a:solidFill>
+              <a:schemeClr val="tx1"/>
+            </a:solidFill>
+            <a:tailEnd type="triangle"/>
+          </a:ln>
+        </p:spPr>
+        <p:style>
+          <a:lnRef idx="1">
+            <a:schemeClr val="accent1"/>
+          </a:lnRef>
+          <a:fillRef idx="0">
+            <a:schemeClr val="accent1"/>
+          </a:fillRef>
+          <a:effectRef idx="0">
+            <a:schemeClr val="accent1"/>
+          </a:effectRef>
+          <a:fontRef idx="minor">
+            <a:schemeClr val="tx1"/>
+          </a:fontRef>
+        </p:style>
+      </p:cxnSp>
+      <p:sp>
+        <p:nvSpPr>
+          <p:cNvPr id="22" name="TextBox 21"/>
+          <p:cNvSpPr txBox="1"/>
+          <p:nvPr/>
+        </p:nvSpPr>
+        <p:spPr>
+          <a:xfrm>
+            <a:off x="2072280" y="6068427"/>
+            <a:ext cx="5250348" cy="369332"/>
+          </a:xfrm>
+          <a:prstGeom prst="rect">
+            <a:avLst/>
+          </a:prstGeom>
+          <a:noFill/>
+        </p:spPr>
+        <p:txBody>
+          <a:bodyPr wrap="none" rtlCol="0">
+            <a:spAutoFit/>
+          </a:bodyPr>
+          <a:lstStyle/>
+          <a:p>
+            <a:r>
+              <a:rPr lang="en-US" dirty="0" smtClean="0"/>
+              <a:t>Something else altogether… we need to calculate this.</a:t>
+            </a:r>
+            <a:endParaRPr lang="en-US" dirty="0"/>
+          </a:p>
+        </p:txBody>
+      </p:sp>
+      <p:cxnSp>
+        <p:nvCxnSpPr>
+          <p:cNvPr id="23" name="Straight Arrow Connector 22"/>
+          <p:cNvCxnSpPr/>
+          <p:nvPr/>
+        </p:nvCxnSpPr>
+        <p:spPr>
+          <a:xfrm flipV="1">
+            <a:off x="2652613" y="3510395"/>
+            <a:ext cx="1300530" cy="2558032"/>
+          </a:xfrm>
+          <a:prstGeom prst="straightConnector1">
+            <a:avLst/>
+          </a:prstGeom>
+          <a:ln>
+            <a:solidFill>
+              <a:schemeClr val="tx1"/>
+            </a:solidFill>
+            <a:tailEnd type="triangle"/>
+          </a:ln>
         </p:spPr>
         <p:style>
           <a:lnRef idx="1">
@@ -3625,7 +4309,297 @@
     </p:spTree>
     <p:extLst>
       <p:ext uri="{BB962C8B-B14F-4D97-AF65-F5344CB8AC3E}">
-        <p14:creationId xmlns:p14="http://schemas.microsoft.com/office/powerpoint/2010/main" val="3858619653"/>
+        <p14:creationId xmlns:p14="http://schemas.microsoft.com/office/powerpoint/2010/main" val="1581997010"/>
+      </p:ext>
+    </p:extLst>
+  </p:cSld>
+  <p:clrMapOvr>
+    <a:masterClrMapping/>
+  </p:clrMapOvr>
+</p:sld>
+</file>
+
+<file path=ppt/slides/slide18.xml><?xml version="1.0" encoding="utf-8"?>
+<p:sld xmlns:a="http://schemas.openxmlformats.org/drawingml/2006/main" xmlns:r="http://schemas.openxmlformats.org/officeDocument/2006/relationships" xmlns:p="http://schemas.openxmlformats.org/presentationml/2006/main">
+  <p:cSld>
+    <p:spTree>
+      <p:nvGrpSpPr>
+        <p:cNvPr id="1" name=""/>
+        <p:cNvGrpSpPr/>
+        <p:nvPr/>
+      </p:nvGrpSpPr>
+      <p:grpSpPr>
+        <a:xfrm>
+          <a:off x="0" y="0"/>
+          <a:ext cx="0" cy="0"/>
+          <a:chOff x="0" y="0"/>
+          <a:chExt cx="0" cy="0"/>
+        </a:xfrm>
+      </p:grpSpPr>
+      <p:sp>
+        <p:nvSpPr>
+          <p:cNvPr id="6" name="TextBox 5"/>
+          <p:cNvSpPr txBox="1"/>
+          <p:nvPr/>
+        </p:nvSpPr>
+        <p:spPr>
+          <a:xfrm>
+            <a:off x="1202267" y="889000"/>
+            <a:ext cx="8737600" cy="1200329"/>
+          </a:xfrm>
+          <a:prstGeom prst="rect">
+            <a:avLst/>
+          </a:prstGeom>
+          <a:noFill/>
+        </p:spPr>
+        <p:txBody>
+          <a:bodyPr wrap="square" rtlCol="0">
+            <a:spAutoFit/>
+          </a:bodyPr>
+          <a:lstStyle/>
+          <a:p>
+            <a:pPr algn="ctr"/>
+            <a:r>
+              <a:rPr lang="en-US" sz="7200" dirty="0" smtClean="0"/>
+              <a:t>The Math:</a:t>
+            </a:r>
+            <a:endParaRPr lang="en-US" sz="7200" dirty="0"/>
+          </a:p>
+        </p:txBody>
+      </p:sp>
+      <p:cxnSp>
+        <p:nvCxnSpPr>
+          <p:cNvPr id="9" name="Straight Connector 8"/>
+          <p:cNvCxnSpPr/>
+          <p:nvPr/>
+        </p:nvCxnSpPr>
+        <p:spPr>
+          <a:xfrm>
+            <a:off x="1024467" y="2192867"/>
+            <a:ext cx="9508066" cy="0"/>
+          </a:xfrm>
+          <a:prstGeom prst="line">
+            <a:avLst/>
+          </a:prstGeom>
+          <a:ln w="38100"/>
+        </p:spPr>
+        <p:style>
+          <a:lnRef idx="1">
+            <a:schemeClr val="accent1"/>
+          </a:lnRef>
+          <a:fillRef idx="0">
+            <a:schemeClr val="accent1"/>
+          </a:fillRef>
+          <a:effectRef idx="0">
+            <a:schemeClr val="accent1"/>
+          </a:effectRef>
+          <a:fontRef idx="minor">
+            <a:schemeClr val="tx1"/>
+          </a:fontRef>
+        </p:style>
+      </p:cxnSp>
+      <p:pic>
+        <p:nvPicPr>
+          <p:cNvPr id="2" name="Picture 1"/>
+          <p:cNvPicPr>
+            <a:picLocks noChangeAspect="1"/>
+          </p:cNvPicPr>
+          <p:nvPr/>
+        </p:nvPicPr>
+        <p:blipFill>
+          <a:blip r:embed="rId2">
+            <a:extLst>
+              <a:ext uri="{28A0092B-C50C-407E-A947-70E740481C1C}">
+                <a14:useLocalDpi xmlns:a14="http://schemas.microsoft.com/office/drawing/2010/main" val="0"/>
+              </a:ext>
+            </a:extLst>
+          </a:blip>
+          <a:stretch>
+            <a:fillRect/>
+          </a:stretch>
+        </p:blipFill>
+        <p:spPr>
+          <a:xfrm>
+            <a:off x="2965433" y="2684168"/>
+            <a:ext cx="5211267" cy="898495"/>
+          </a:xfrm>
+          <a:prstGeom prst="rect">
+            <a:avLst/>
+          </a:prstGeom>
+        </p:spPr>
+      </p:pic>
+      <p:sp>
+        <p:nvSpPr>
+          <p:cNvPr id="22" name="TextBox 21"/>
+          <p:cNvSpPr txBox="1"/>
+          <p:nvPr/>
+        </p:nvSpPr>
+        <p:spPr>
+          <a:xfrm>
+            <a:off x="438213" y="4013200"/>
+            <a:ext cx="11516720" cy="1323439"/>
+          </a:xfrm>
+          <a:prstGeom prst="rect">
+            <a:avLst/>
+          </a:prstGeom>
+          <a:noFill/>
+        </p:spPr>
+        <p:txBody>
+          <a:bodyPr wrap="square" rtlCol="0">
+            <a:spAutoFit/>
+          </a:bodyPr>
+          <a:lstStyle/>
+          <a:p>
+            <a:r>
+              <a:rPr lang="en-US" sz="4000" dirty="0" smtClean="0"/>
+              <a:t>We’ll calculate E</a:t>
+            </a:r>
+            <a:r>
+              <a:rPr lang="el-GR" sz="4000" baseline="-25000" dirty="0" smtClean="0"/>
+              <a:t>α</a:t>
+            </a:r>
+            <a:r>
+              <a:rPr lang="en-US" sz="4000" baseline="30000" dirty="0" smtClean="0"/>
+              <a:t> </a:t>
+            </a:r>
+            <a:r>
+              <a:rPr lang="en-US" sz="4000" dirty="0" smtClean="0"/>
+              <a:t>by minimizing this cost function. (Find the value of </a:t>
+            </a:r>
+            <a:r>
+              <a:rPr lang="en-US" sz="4000" dirty="0"/>
+              <a:t>E</a:t>
+            </a:r>
+            <a:r>
+              <a:rPr lang="el-GR" sz="4000" baseline="-25000" dirty="0"/>
+              <a:t>α</a:t>
+            </a:r>
+            <a:r>
+              <a:rPr lang="en-US" sz="4000" baseline="30000" dirty="0"/>
+              <a:t> </a:t>
+            </a:r>
+            <a:r>
+              <a:rPr lang="en-US" sz="4000" dirty="0" smtClean="0"/>
+              <a:t>for which </a:t>
+            </a:r>
+            <a:r>
+              <a:rPr lang="el-GR" sz="4000" dirty="0" smtClean="0"/>
+              <a:t>φ</a:t>
+            </a:r>
+            <a:r>
+              <a:rPr lang="en-US" sz="4000" dirty="0" smtClean="0"/>
+              <a:t> has the lowest value.)</a:t>
+            </a:r>
+            <a:endParaRPr lang="en-US" sz="4000" baseline="-25000" dirty="0"/>
+          </a:p>
+        </p:txBody>
+      </p:sp>
+    </p:spTree>
+    <p:extLst>
+      <p:ext uri="{BB962C8B-B14F-4D97-AF65-F5344CB8AC3E}">
+        <p14:creationId xmlns:p14="http://schemas.microsoft.com/office/powerpoint/2010/main" val="1805905747"/>
+      </p:ext>
+    </p:extLst>
+  </p:cSld>
+  <p:clrMapOvr>
+    <a:masterClrMapping/>
+  </p:clrMapOvr>
+</p:sld>
+</file>
+
+<file path=ppt/slides/slide19.xml><?xml version="1.0" encoding="utf-8"?>
+<p:sld xmlns:a="http://schemas.openxmlformats.org/drawingml/2006/main" xmlns:r="http://schemas.openxmlformats.org/officeDocument/2006/relationships" xmlns:p="http://schemas.openxmlformats.org/presentationml/2006/main">
+  <p:cSld>
+    <p:spTree>
+      <p:nvGrpSpPr>
+        <p:cNvPr id="1" name=""/>
+        <p:cNvGrpSpPr/>
+        <p:nvPr/>
+      </p:nvGrpSpPr>
+      <p:grpSpPr>
+        <a:xfrm>
+          <a:off x="0" y="0"/>
+          <a:ext cx="0" cy="0"/>
+          <a:chOff x="0" y="0"/>
+          <a:chExt cx="0" cy="0"/>
+        </a:xfrm>
+      </p:grpSpPr>
+      <p:pic>
+        <p:nvPicPr>
+          <p:cNvPr id="2" name="Picture 1"/>
+          <p:cNvPicPr>
+            <a:picLocks noChangeAspect="1"/>
+          </p:cNvPicPr>
+          <p:nvPr/>
+        </p:nvPicPr>
+        <p:blipFill>
+          <a:blip r:embed="rId2">
+            <a:extLst>
+              <a:ext uri="{28A0092B-C50C-407E-A947-70E740481C1C}">
+                <a14:useLocalDpi xmlns:a14="http://schemas.microsoft.com/office/drawing/2010/main" val="0"/>
+              </a:ext>
+            </a:extLst>
+          </a:blip>
+          <a:stretch>
+            <a:fillRect/>
+          </a:stretch>
+        </p:blipFill>
+        <p:spPr>
+          <a:xfrm>
+            <a:off x="2054191" y="618916"/>
+            <a:ext cx="7234977" cy="5566637"/>
+          </a:xfrm>
+          <a:prstGeom prst="rect">
+            <a:avLst/>
+          </a:prstGeom>
+        </p:spPr>
+      </p:pic>
+      <p:sp>
+        <p:nvSpPr>
+          <p:cNvPr id="3" name="TextBox 2"/>
+          <p:cNvSpPr txBox="1"/>
+          <p:nvPr/>
+        </p:nvSpPr>
+        <p:spPr>
+          <a:xfrm>
+            <a:off x="3616501" y="2150532"/>
+            <a:ext cx="3520900" cy="1569660"/>
+          </a:xfrm>
+          <a:prstGeom prst="rect">
+            <a:avLst/>
+          </a:prstGeom>
+          <a:noFill/>
+        </p:spPr>
+        <p:txBody>
+          <a:bodyPr wrap="square" rtlCol="0">
+            <a:spAutoFit/>
+          </a:bodyPr>
+          <a:lstStyle/>
+          <a:p>
+            <a:r>
+              <a:rPr lang="en-US" sz="3200" dirty="0"/>
+              <a:t>E</a:t>
+            </a:r>
+            <a:r>
+              <a:rPr lang="el-GR" sz="3200" baseline="-25000" dirty="0" smtClean="0"/>
+              <a:t>α</a:t>
+            </a:r>
+            <a:r>
+              <a:rPr lang="en-US" sz="3200" baseline="-25000" dirty="0" smtClean="0"/>
+              <a:t> </a:t>
+            </a:r>
+            <a:r>
+              <a:rPr lang="en-US" sz="3200" dirty="0" smtClean="0"/>
+              <a:t>is out “Activation Energy”. It varies with degree of cure.</a:t>
+            </a:r>
+            <a:endParaRPr lang="en-US" sz="3200" dirty="0"/>
+          </a:p>
+        </p:txBody>
+      </p:sp>
+    </p:spTree>
+    <p:extLst>
+      <p:ext uri="{BB962C8B-B14F-4D97-AF65-F5344CB8AC3E}">
+        <p14:creationId xmlns:p14="http://schemas.microsoft.com/office/powerpoint/2010/main" val="2755970329"/>
       </p:ext>
     </p:extLst>
   </p:cSld>
@@ -3748,6 +4722,429 @@
     <p:extLst>
       <p:ext uri="{BB962C8B-B14F-4D97-AF65-F5344CB8AC3E}">
         <p14:creationId xmlns:p14="http://schemas.microsoft.com/office/powerpoint/2010/main" val="2213161339"/>
+      </p:ext>
+    </p:extLst>
+  </p:cSld>
+  <p:clrMapOvr>
+    <a:masterClrMapping/>
+  </p:clrMapOvr>
+</p:sld>
+</file>
+
+<file path=ppt/slides/slide20.xml><?xml version="1.0" encoding="utf-8"?>
+<p:sld xmlns:a="http://schemas.openxmlformats.org/drawingml/2006/main" xmlns:r="http://schemas.openxmlformats.org/officeDocument/2006/relationships" xmlns:p="http://schemas.openxmlformats.org/presentationml/2006/main">
+  <p:cSld>
+    <p:spTree>
+      <p:nvGrpSpPr>
+        <p:cNvPr id="1" name=""/>
+        <p:cNvGrpSpPr/>
+        <p:nvPr/>
+      </p:nvGrpSpPr>
+      <p:grpSpPr>
+        <a:xfrm>
+          <a:off x="0" y="0"/>
+          <a:ext cx="0" cy="0"/>
+          <a:chOff x="0" y="0"/>
+          <a:chExt cx="0" cy="0"/>
+        </a:xfrm>
+      </p:grpSpPr>
+      <p:pic>
+        <p:nvPicPr>
+          <p:cNvPr id="2" name="Picture 1"/>
+          <p:cNvPicPr>
+            <a:picLocks noChangeAspect="1"/>
+          </p:cNvPicPr>
+          <p:nvPr/>
+        </p:nvPicPr>
+        <p:blipFill>
+          <a:blip r:embed="rId2">
+            <a:extLst>
+              <a:ext uri="{28A0092B-C50C-407E-A947-70E740481C1C}">
+                <a14:useLocalDpi xmlns:a14="http://schemas.microsoft.com/office/drawing/2010/main" val="0"/>
+              </a:ext>
+            </a:extLst>
+          </a:blip>
+          <a:stretch>
+            <a:fillRect/>
+          </a:stretch>
+        </p:blipFill>
+        <p:spPr>
+          <a:xfrm>
+            <a:off x="2097882" y="618916"/>
+            <a:ext cx="7147595" cy="5566637"/>
+          </a:xfrm>
+          <a:prstGeom prst="rect">
+            <a:avLst/>
+          </a:prstGeom>
+        </p:spPr>
+      </p:pic>
+      <p:sp>
+        <p:nvSpPr>
+          <p:cNvPr id="3" name="TextBox 2"/>
+          <p:cNvSpPr txBox="1"/>
+          <p:nvPr/>
+        </p:nvSpPr>
+        <p:spPr>
+          <a:xfrm>
+            <a:off x="9245477" y="1591732"/>
+            <a:ext cx="3005790" cy="2554545"/>
+          </a:xfrm>
+          <a:prstGeom prst="rect">
+            <a:avLst/>
+          </a:prstGeom>
+          <a:noFill/>
+        </p:spPr>
+        <p:txBody>
+          <a:bodyPr wrap="square" rtlCol="0">
+            <a:spAutoFit/>
+          </a:bodyPr>
+          <a:lstStyle/>
+          <a:p>
+            <a:r>
+              <a:rPr lang="en-US" sz="3200" dirty="0" smtClean="0"/>
+              <a:t>Now we can predict cure time for any isothermal temperature!</a:t>
+            </a:r>
+            <a:endParaRPr lang="en-US" sz="3200" dirty="0"/>
+          </a:p>
+        </p:txBody>
+      </p:sp>
+    </p:spTree>
+    <p:extLst>
+      <p:ext uri="{BB962C8B-B14F-4D97-AF65-F5344CB8AC3E}">
+        <p14:creationId xmlns:p14="http://schemas.microsoft.com/office/powerpoint/2010/main" val="804048247"/>
+      </p:ext>
+    </p:extLst>
+  </p:cSld>
+  <p:clrMapOvr>
+    <a:masterClrMapping/>
+  </p:clrMapOvr>
+</p:sld>
+</file>
+
+<file path=ppt/slides/slide21.xml><?xml version="1.0" encoding="utf-8"?>
+<p:sld xmlns:a="http://schemas.openxmlformats.org/drawingml/2006/main" xmlns:r="http://schemas.openxmlformats.org/officeDocument/2006/relationships" xmlns:p="http://schemas.openxmlformats.org/presentationml/2006/main">
+  <p:cSld>
+    <p:spTree>
+      <p:nvGrpSpPr>
+        <p:cNvPr id="1" name=""/>
+        <p:cNvGrpSpPr/>
+        <p:nvPr/>
+      </p:nvGrpSpPr>
+      <p:grpSpPr>
+        <a:xfrm>
+          <a:off x="0" y="0"/>
+          <a:ext cx="0" cy="0"/>
+          <a:chOff x="0" y="0"/>
+          <a:chExt cx="0" cy="0"/>
+        </a:xfrm>
+      </p:grpSpPr>
+      <p:sp>
+        <p:nvSpPr>
+          <p:cNvPr id="6" name="TextBox 5"/>
+          <p:cNvSpPr txBox="1"/>
+          <p:nvPr/>
+        </p:nvSpPr>
+        <p:spPr>
+          <a:xfrm>
+            <a:off x="1202267" y="889000"/>
+            <a:ext cx="8737600" cy="1200329"/>
+          </a:xfrm>
+          <a:prstGeom prst="rect">
+            <a:avLst/>
+          </a:prstGeom>
+          <a:noFill/>
+        </p:spPr>
+        <p:txBody>
+          <a:bodyPr wrap="square" rtlCol="0">
+            <a:spAutoFit/>
+          </a:bodyPr>
+          <a:lstStyle/>
+          <a:p>
+            <a:pPr algn="ctr"/>
+            <a:r>
+              <a:rPr lang="en-US" sz="7200" dirty="0" smtClean="0"/>
+              <a:t>Validation:</a:t>
+            </a:r>
+            <a:endParaRPr lang="en-US" sz="7200" dirty="0"/>
+          </a:p>
+        </p:txBody>
+      </p:sp>
+      <p:sp>
+        <p:nvSpPr>
+          <p:cNvPr id="7" name="TextBox 6"/>
+          <p:cNvSpPr txBox="1"/>
+          <p:nvPr/>
+        </p:nvSpPr>
+        <p:spPr>
+          <a:xfrm>
+            <a:off x="1405467" y="2472267"/>
+            <a:ext cx="8695266" cy="830997"/>
+          </a:xfrm>
+          <a:prstGeom prst="rect">
+            <a:avLst/>
+          </a:prstGeom>
+          <a:noFill/>
+        </p:spPr>
+        <p:txBody>
+          <a:bodyPr wrap="square" rtlCol="0">
+            <a:spAutoFit/>
+          </a:bodyPr>
+          <a:lstStyle/>
+          <a:p>
+            <a:pPr algn="ctr"/>
+            <a:r>
+              <a:rPr lang="en-US" sz="4800" dirty="0" smtClean="0"/>
+              <a:t>…but is it right?</a:t>
+            </a:r>
+            <a:endParaRPr lang="en-US" sz="4800" dirty="0" smtClean="0"/>
+          </a:p>
+        </p:txBody>
+      </p:sp>
+      <p:cxnSp>
+        <p:nvCxnSpPr>
+          <p:cNvPr id="9" name="Straight Connector 8"/>
+          <p:cNvCxnSpPr/>
+          <p:nvPr/>
+        </p:nvCxnSpPr>
+        <p:spPr>
+          <a:xfrm>
+            <a:off x="1024467" y="2192867"/>
+            <a:ext cx="9508066" cy="0"/>
+          </a:xfrm>
+          <a:prstGeom prst="line">
+            <a:avLst/>
+          </a:prstGeom>
+          <a:ln w="38100"/>
+        </p:spPr>
+        <p:style>
+          <a:lnRef idx="1">
+            <a:schemeClr val="accent1"/>
+          </a:lnRef>
+          <a:fillRef idx="0">
+            <a:schemeClr val="accent1"/>
+          </a:fillRef>
+          <a:effectRef idx="0">
+            <a:schemeClr val="accent1"/>
+          </a:effectRef>
+          <a:fontRef idx="minor">
+            <a:schemeClr val="tx1"/>
+          </a:fontRef>
+        </p:style>
+      </p:cxnSp>
+    </p:spTree>
+    <p:extLst>
+      <p:ext uri="{BB962C8B-B14F-4D97-AF65-F5344CB8AC3E}">
+        <p14:creationId xmlns:p14="http://schemas.microsoft.com/office/powerpoint/2010/main" val="3006755199"/>
+      </p:ext>
+    </p:extLst>
+  </p:cSld>
+  <p:clrMapOvr>
+    <a:masterClrMapping/>
+  </p:clrMapOvr>
+</p:sld>
+</file>
+
+<file path=ppt/slides/slide22.xml><?xml version="1.0" encoding="utf-8"?>
+<p:sld xmlns:a="http://schemas.openxmlformats.org/drawingml/2006/main" xmlns:r="http://schemas.openxmlformats.org/officeDocument/2006/relationships" xmlns:p="http://schemas.openxmlformats.org/presentationml/2006/main">
+  <p:cSld>
+    <p:spTree>
+      <p:nvGrpSpPr>
+        <p:cNvPr id="1" name=""/>
+        <p:cNvGrpSpPr/>
+        <p:nvPr/>
+      </p:nvGrpSpPr>
+      <p:grpSpPr>
+        <a:xfrm>
+          <a:off x="0" y="0"/>
+          <a:ext cx="0" cy="0"/>
+          <a:chOff x="0" y="0"/>
+          <a:chExt cx="0" cy="0"/>
+        </a:xfrm>
+      </p:grpSpPr>
+      <p:pic>
+        <p:nvPicPr>
+          <p:cNvPr id="2" name="Picture 1"/>
+          <p:cNvPicPr>
+            <a:picLocks noChangeAspect="1"/>
+          </p:cNvPicPr>
+          <p:nvPr/>
+        </p:nvPicPr>
+        <p:blipFill>
+          <a:blip r:embed="rId2">
+            <a:extLst>
+              <a:ext uri="{28A0092B-C50C-407E-A947-70E740481C1C}">
+                <a14:useLocalDpi xmlns:a14="http://schemas.microsoft.com/office/drawing/2010/main" val="0"/>
+              </a:ext>
+            </a:extLst>
+          </a:blip>
+          <a:stretch>
+            <a:fillRect/>
+          </a:stretch>
+        </p:blipFill>
+        <p:spPr>
+          <a:xfrm>
+            <a:off x="2218725" y="618916"/>
+            <a:ext cx="6905909" cy="5566637"/>
+          </a:xfrm>
+          <a:prstGeom prst="rect">
+            <a:avLst/>
+          </a:prstGeom>
+        </p:spPr>
+      </p:pic>
+      <p:sp>
+        <p:nvSpPr>
+          <p:cNvPr id="3" name="TextBox 2"/>
+          <p:cNvSpPr txBox="1"/>
+          <p:nvPr/>
+        </p:nvSpPr>
+        <p:spPr>
+          <a:xfrm>
+            <a:off x="347591" y="5367867"/>
+            <a:ext cx="3742267" cy="1077218"/>
+          </a:xfrm>
+          <a:prstGeom prst="rect">
+            <a:avLst/>
+          </a:prstGeom>
+          <a:noFill/>
+        </p:spPr>
+        <p:txBody>
+          <a:bodyPr wrap="square" rtlCol="0">
+            <a:spAutoFit/>
+          </a:bodyPr>
+          <a:lstStyle/>
+          <a:p>
+            <a:r>
+              <a:rPr lang="en-US" sz="3200" dirty="0" smtClean="0"/>
+              <a:t>This is data from the experimental runs.</a:t>
+            </a:r>
+            <a:endParaRPr lang="en-US" sz="3200" dirty="0"/>
+          </a:p>
+        </p:txBody>
+      </p:sp>
+    </p:spTree>
+    <p:extLst>
+      <p:ext uri="{BB962C8B-B14F-4D97-AF65-F5344CB8AC3E}">
+        <p14:creationId xmlns:p14="http://schemas.microsoft.com/office/powerpoint/2010/main" val="1878182699"/>
+      </p:ext>
+    </p:extLst>
+  </p:cSld>
+  <p:clrMapOvr>
+    <a:masterClrMapping/>
+  </p:clrMapOvr>
+</p:sld>
+</file>
+
+<file path=ppt/slides/slide23.xml><?xml version="1.0" encoding="utf-8"?>
+<p:sld xmlns:a="http://schemas.openxmlformats.org/drawingml/2006/main" xmlns:r="http://schemas.openxmlformats.org/officeDocument/2006/relationships" xmlns:p="http://schemas.openxmlformats.org/presentationml/2006/main">
+  <p:cSld>
+    <p:spTree>
+      <p:nvGrpSpPr>
+        <p:cNvPr id="1" name=""/>
+        <p:cNvGrpSpPr/>
+        <p:nvPr/>
+      </p:nvGrpSpPr>
+      <p:grpSpPr>
+        <a:xfrm>
+          <a:off x="0" y="0"/>
+          <a:ext cx="0" cy="0"/>
+          <a:chOff x="0" y="0"/>
+          <a:chExt cx="0" cy="0"/>
+        </a:xfrm>
+      </p:grpSpPr>
+      <p:pic>
+        <p:nvPicPr>
+          <p:cNvPr id="2" name="Picture 1"/>
+          <p:cNvPicPr>
+            <a:picLocks noChangeAspect="1"/>
+          </p:cNvPicPr>
+          <p:nvPr/>
+        </p:nvPicPr>
+        <p:blipFill>
+          <a:blip r:embed="rId2">
+            <a:extLst>
+              <a:ext uri="{28A0092B-C50C-407E-A947-70E740481C1C}">
+                <a14:useLocalDpi xmlns:a14="http://schemas.microsoft.com/office/drawing/2010/main" val="0"/>
+              </a:ext>
+            </a:extLst>
+          </a:blip>
+          <a:stretch>
+            <a:fillRect/>
+          </a:stretch>
+        </p:blipFill>
+        <p:spPr>
+          <a:xfrm>
+            <a:off x="2218725" y="805031"/>
+            <a:ext cx="6905909" cy="5194407"/>
+          </a:xfrm>
+          <a:prstGeom prst="rect">
+            <a:avLst/>
+          </a:prstGeom>
+        </p:spPr>
+      </p:pic>
+      <p:sp>
+        <p:nvSpPr>
+          <p:cNvPr id="3" name="TextBox 2"/>
+          <p:cNvSpPr txBox="1"/>
+          <p:nvPr/>
+        </p:nvSpPr>
+        <p:spPr>
+          <a:xfrm>
+            <a:off x="347591" y="5367867"/>
+            <a:ext cx="3742267" cy="1077218"/>
+          </a:xfrm>
+          <a:prstGeom prst="rect">
+            <a:avLst/>
+          </a:prstGeom>
+          <a:noFill/>
+        </p:spPr>
+        <p:txBody>
+          <a:bodyPr wrap="square" rtlCol="0">
+            <a:spAutoFit/>
+          </a:bodyPr>
+          <a:lstStyle/>
+          <a:p>
+            <a:r>
+              <a:rPr lang="en-US" sz="3200" dirty="0" smtClean="0"/>
+              <a:t>Now with predicted results on top.</a:t>
+            </a:r>
+            <a:endParaRPr lang="en-US" sz="3200" dirty="0"/>
+          </a:p>
+        </p:txBody>
+      </p:sp>
+      <p:sp>
+        <p:nvSpPr>
+          <p:cNvPr id="4" name="TextBox 3"/>
+          <p:cNvSpPr txBox="1"/>
+          <p:nvPr/>
+        </p:nvSpPr>
+        <p:spPr>
+          <a:xfrm>
+            <a:off x="7976058" y="5367867"/>
+            <a:ext cx="3742267" cy="584775"/>
+          </a:xfrm>
+          <a:prstGeom prst="rect">
+            <a:avLst/>
+          </a:prstGeom>
+          <a:noFill/>
+        </p:spPr>
+        <p:txBody>
+          <a:bodyPr wrap="square" rtlCol="0">
+            <a:spAutoFit/>
+          </a:bodyPr>
+          <a:lstStyle/>
+          <a:p>
+            <a:r>
+              <a:rPr lang="en-US" sz="3200" dirty="0" smtClean="0"/>
+              <a:t>It looks good!</a:t>
+            </a:r>
+            <a:endParaRPr lang="en-US" sz="3200" dirty="0"/>
+          </a:p>
+        </p:txBody>
+      </p:sp>
+    </p:spTree>
+    <p:extLst>
+      <p:ext uri="{BB962C8B-B14F-4D97-AF65-F5344CB8AC3E}">
+        <p14:creationId xmlns:p14="http://schemas.microsoft.com/office/powerpoint/2010/main" val="978562484"/>
       </p:ext>
     </p:extLst>
   </p:cSld>
@@ -4347,11 +5744,7 @@
             <a:pPr algn="ctr"/>
             <a:r>
               <a:rPr lang="en-US" sz="7200" dirty="0" smtClean="0"/>
-              <a:t>The </a:t>
-            </a:r>
-            <a:r>
-              <a:rPr lang="en-US" sz="7200" dirty="0" smtClean="0"/>
-              <a:t>Data:</a:t>
+              <a:t>The Data:</a:t>
             </a:r>
             <a:endParaRPr lang="en-US" sz="7200" dirty="0"/>
           </a:p>
@@ -4384,7 +5777,6 @@
               <a:rPr lang="en-US" sz="4800" dirty="0" smtClean="0"/>
               <a:t>The following slides show pre-processing of the data.</a:t>
             </a:r>
-            <a:endParaRPr lang="en-US" sz="4800" dirty="0" smtClean="0"/>
           </a:p>
         </p:txBody>
       </p:sp>

--- a/images/Time-At-Temperature-Presentation.pptx
+++ b/images/Time-At-Temperature-Presentation.pptx
@@ -28,6 +28,8 @@
     <p:sldId id="277" r:id="rId22"/>
     <p:sldId id="278" r:id="rId23"/>
     <p:sldId id="280" r:id="rId24"/>
+    <p:sldId id="281" r:id="rId25"/>
+    <p:sldId id="282" r:id="rId26"/>
   </p:sldIdLst>
   <p:sldSz cx="12192000" cy="6858000"/>
   <p:notesSz cx="6858000" cy="9144000"/>
@@ -3653,7 +3655,6 @@
               <a:rPr lang="en-US" sz="4800" dirty="0" smtClean="0"/>
               <a:t>At the end of the day, we want the time it takes to reach a degree of cure.</a:t>
             </a:r>
-            <a:endParaRPr lang="en-US" sz="4800" dirty="0" smtClean="0"/>
           </a:p>
         </p:txBody>
       </p:sp>
@@ -4896,7 +4897,6 @@
               <a:rPr lang="en-US" sz="4800" dirty="0" smtClean="0"/>
               <a:t>…but is it right?</a:t>
             </a:r>
-            <a:endParaRPr lang="en-US" sz="4800" dirty="0" smtClean="0"/>
           </a:p>
         </p:txBody>
       </p:sp>
@@ -5145,6 +5145,412 @@
     <p:extLst>
       <p:ext uri="{BB962C8B-B14F-4D97-AF65-F5344CB8AC3E}">
         <p14:creationId xmlns:p14="http://schemas.microsoft.com/office/powerpoint/2010/main" val="978562484"/>
+      </p:ext>
+    </p:extLst>
+  </p:cSld>
+  <p:clrMapOvr>
+    <a:masterClrMapping/>
+  </p:clrMapOvr>
+</p:sld>
+</file>
+
+<file path=ppt/slides/slide24.xml><?xml version="1.0" encoding="utf-8"?>
+<p:sld xmlns:a="http://schemas.openxmlformats.org/drawingml/2006/main" xmlns:r="http://schemas.openxmlformats.org/officeDocument/2006/relationships" xmlns:p="http://schemas.openxmlformats.org/presentationml/2006/main">
+  <p:cSld>
+    <p:spTree>
+      <p:nvGrpSpPr>
+        <p:cNvPr id="1" name=""/>
+        <p:cNvGrpSpPr/>
+        <p:nvPr/>
+      </p:nvGrpSpPr>
+      <p:grpSpPr>
+        <a:xfrm>
+          <a:off x="0" y="0"/>
+          <a:ext cx="0" cy="0"/>
+          <a:chOff x="0" y="0"/>
+          <a:chExt cx="0" cy="0"/>
+        </a:xfrm>
+      </p:grpSpPr>
+      <p:sp>
+        <p:nvSpPr>
+          <p:cNvPr id="6" name="TextBox 5"/>
+          <p:cNvSpPr txBox="1"/>
+          <p:nvPr/>
+        </p:nvSpPr>
+        <p:spPr>
+          <a:xfrm>
+            <a:off x="1202267" y="889000"/>
+            <a:ext cx="8737600" cy="1200329"/>
+          </a:xfrm>
+          <a:prstGeom prst="rect">
+            <a:avLst/>
+          </a:prstGeom>
+          <a:noFill/>
+        </p:spPr>
+        <p:txBody>
+          <a:bodyPr wrap="square" rtlCol="0">
+            <a:spAutoFit/>
+          </a:bodyPr>
+          <a:lstStyle/>
+          <a:p>
+            <a:pPr algn="ctr"/>
+            <a:r>
+              <a:rPr lang="en-US" sz="7200" dirty="0" smtClean="0"/>
+              <a:t>Reference:</a:t>
+            </a:r>
+            <a:endParaRPr lang="en-US" sz="7200" dirty="0"/>
+          </a:p>
+        </p:txBody>
+      </p:sp>
+      <p:sp>
+        <p:nvSpPr>
+          <p:cNvPr id="7" name="TextBox 6"/>
+          <p:cNvSpPr txBox="1"/>
+          <p:nvPr/>
+        </p:nvSpPr>
+        <p:spPr>
+          <a:xfrm>
+            <a:off x="1405467" y="2472267"/>
+            <a:ext cx="8695266" cy="2246769"/>
+          </a:xfrm>
+          <a:prstGeom prst="rect">
+            <a:avLst/>
+          </a:prstGeom>
+          <a:noFill/>
+        </p:spPr>
+        <p:txBody>
+          <a:bodyPr wrap="square" rtlCol="0">
+            <a:spAutoFit/>
+          </a:bodyPr>
+          <a:lstStyle/>
+          <a:p>
+            <a:pPr marL="228600" indent="-228600"/>
+            <a:r>
+              <a:rPr lang="en-US" sz="2800" dirty="0" err="1"/>
+              <a:t>Sbirrazzuoli</a:t>
+            </a:r>
+            <a:r>
+              <a:rPr lang="en-US" sz="2800" dirty="0"/>
+              <a:t>, Nicolas, et al. "Integral, differential and advanced </a:t>
+            </a:r>
+            <a:r>
+              <a:rPr lang="en-US" sz="2800" dirty="0" err="1"/>
+              <a:t>isoconversional</a:t>
+            </a:r>
+            <a:r>
+              <a:rPr lang="en-US" sz="2800" dirty="0"/>
+              <a:t> methods: </a:t>
+            </a:r>
+            <a:r>
+              <a:rPr lang="en-US" sz="2800" dirty="0" smtClean="0"/>
+              <a:t>complex mechanisms </a:t>
+            </a:r>
+            <a:r>
+              <a:rPr lang="en-US" sz="2800" dirty="0"/>
+              <a:t>and isothermal predicted conversion–time curves." </a:t>
+            </a:r>
+            <a:r>
+              <a:rPr lang="en-US" sz="2800" i="1" dirty="0" err="1"/>
+              <a:t>Chemometrics</a:t>
+            </a:r>
+            <a:r>
+              <a:rPr lang="en-US" sz="2800" i="1" dirty="0"/>
+              <a:t> and Intelligent </a:t>
+            </a:r>
+            <a:r>
+              <a:rPr lang="en-US" sz="2800" i="1" dirty="0" smtClean="0"/>
+              <a:t>Laboratory Systems </a:t>
+            </a:r>
+            <a:r>
+              <a:rPr lang="en-US" sz="2800" dirty="0"/>
+              <a:t>96.2 (2009): 219-226.</a:t>
+            </a:r>
+            <a:endParaRPr lang="en-US" sz="2800" dirty="0" smtClean="0"/>
+          </a:p>
+        </p:txBody>
+      </p:sp>
+      <p:cxnSp>
+        <p:nvCxnSpPr>
+          <p:cNvPr id="9" name="Straight Connector 8"/>
+          <p:cNvCxnSpPr/>
+          <p:nvPr/>
+        </p:nvCxnSpPr>
+        <p:spPr>
+          <a:xfrm>
+            <a:off x="1024467" y="2192867"/>
+            <a:ext cx="9508066" cy="0"/>
+          </a:xfrm>
+          <a:prstGeom prst="line">
+            <a:avLst/>
+          </a:prstGeom>
+          <a:ln w="38100"/>
+        </p:spPr>
+        <p:style>
+          <a:lnRef idx="1">
+            <a:schemeClr val="accent1"/>
+          </a:lnRef>
+          <a:fillRef idx="0">
+            <a:schemeClr val="accent1"/>
+          </a:fillRef>
+          <a:effectRef idx="0">
+            <a:schemeClr val="accent1"/>
+          </a:effectRef>
+          <a:fontRef idx="minor">
+            <a:schemeClr val="tx1"/>
+          </a:fontRef>
+        </p:style>
+      </p:cxnSp>
+    </p:spTree>
+    <p:extLst>
+      <p:ext uri="{BB962C8B-B14F-4D97-AF65-F5344CB8AC3E}">
+        <p14:creationId xmlns:p14="http://schemas.microsoft.com/office/powerpoint/2010/main" val="1619127113"/>
+      </p:ext>
+    </p:extLst>
+  </p:cSld>
+  <p:clrMapOvr>
+    <a:masterClrMapping/>
+  </p:clrMapOvr>
+</p:sld>
+</file>
+
+<file path=ppt/slides/slide25.xml><?xml version="1.0" encoding="utf-8"?>
+<p:sld xmlns:a="http://schemas.openxmlformats.org/drawingml/2006/main" xmlns:r="http://schemas.openxmlformats.org/officeDocument/2006/relationships" xmlns:p="http://schemas.openxmlformats.org/presentationml/2006/main">
+  <p:cSld>
+    <p:spTree>
+      <p:nvGrpSpPr>
+        <p:cNvPr id="1" name=""/>
+        <p:cNvGrpSpPr/>
+        <p:nvPr/>
+      </p:nvGrpSpPr>
+      <p:grpSpPr>
+        <a:xfrm>
+          <a:off x="0" y="0"/>
+          <a:ext cx="0" cy="0"/>
+          <a:chOff x="0" y="0"/>
+          <a:chExt cx="0" cy="0"/>
+        </a:xfrm>
+      </p:grpSpPr>
+      <p:sp>
+        <p:nvSpPr>
+          <p:cNvPr id="6" name="TextBox 5"/>
+          <p:cNvSpPr txBox="1"/>
+          <p:nvPr/>
+        </p:nvSpPr>
+        <p:spPr>
+          <a:xfrm>
+            <a:off x="1202267" y="889000"/>
+            <a:ext cx="8737600" cy="1200329"/>
+          </a:xfrm>
+          <a:prstGeom prst="rect">
+            <a:avLst/>
+          </a:prstGeom>
+          <a:noFill/>
+        </p:spPr>
+        <p:txBody>
+          <a:bodyPr wrap="square" rtlCol="0">
+            <a:spAutoFit/>
+          </a:bodyPr>
+          <a:lstStyle/>
+          <a:p>
+            <a:pPr algn="ctr"/>
+            <a:r>
+              <a:rPr lang="en-US" sz="7200" dirty="0" smtClean="0"/>
+              <a:t>Questions?</a:t>
+            </a:r>
+            <a:endParaRPr lang="en-US" sz="7200" dirty="0"/>
+          </a:p>
+        </p:txBody>
+      </p:sp>
+      <p:sp>
+        <p:nvSpPr>
+          <p:cNvPr id="7" name="TextBox 6"/>
+          <p:cNvSpPr txBox="1"/>
+          <p:nvPr/>
+        </p:nvSpPr>
+        <p:spPr>
+          <a:xfrm>
+            <a:off x="1769534" y="2802467"/>
+            <a:ext cx="1354666" cy="923330"/>
+          </a:xfrm>
+          <a:prstGeom prst="rect">
+            <a:avLst/>
+          </a:prstGeom>
+          <a:noFill/>
+        </p:spPr>
+        <p:txBody>
+          <a:bodyPr wrap="square" rtlCol="0">
+            <a:spAutoFit/>
+          </a:bodyPr>
+          <a:lstStyle/>
+          <a:p>
+            <a:pPr marL="228600" indent="-228600"/>
+            <a:r>
+              <a:rPr lang="en-US" sz="5400" dirty="0" smtClean="0"/>
+              <a:t>?</a:t>
+            </a:r>
+            <a:endParaRPr lang="en-US" sz="5400" dirty="0" smtClean="0"/>
+          </a:p>
+        </p:txBody>
+      </p:sp>
+      <p:cxnSp>
+        <p:nvCxnSpPr>
+          <p:cNvPr id="9" name="Straight Connector 8"/>
+          <p:cNvCxnSpPr/>
+          <p:nvPr/>
+        </p:nvCxnSpPr>
+        <p:spPr>
+          <a:xfrm>
+            <a:off x="1024467" y="2192867"/>
+            <a:ext cx="9508066" cy="0"/>
+          </a:xfrm>
+          <a:prstGeom prst="line">
+            <a:avLst/>
+          </a:prstGeom>
+          <a:ln w="38100"/>
+        </p:spPr>
+        <p:style>
+          <a:lnRef idx="1">
+            <a:schemeClr val="accent1"/>
+          </a:lnRef>
+          <a:fillRef idx="0">
+            <a:schemeClr val="accent1"/>
+          </a:fillRef>
+          <a:effectRef idx="0">
+            <a:schemeClr val="accent1"/>
+          </a:effectRef>
+          <a:fontRef idx="minor">
+            <a:schemeClr val="tx1"/>
+          </a:fontRef>
+        </p:style>
+      </p:cxnSp>
+      <p:sp>
+        <p:nvSpPr>
+          <p:cNvPr id="5" name="TextBox 4"/>
+          <p:cNvSpPr txBox="1"/>
+          <p:nvPr/>
+        </p:nvSpPr>
+        <p:spPr>
+          <a:xfrm>
+            <a:off x="3767667" y="4038600"/>
+            <a:ext cx="1354666" cy="923330"/>
+          </a:xfrm>
+          <a:prstGeom prst="rect">
+            <a:avLst/>
+          </a:prstGeom>
+          <a:noFill/>
+        </p:spPr>
+        <p:txBody>
+          <a:bodyPr wrap="square" rtlCol="0">
+            <a:spAutoFit/>
+          </a:bodyPr>
+          <a:lstStyle/>
+          <a:p>
+            <a:pPr marL="228600" indent="-228600"/>
+            <a:r>
+              <a:rPr lang="en-US" sz="5400" dirty="0" smtClean="0"/>
+              <a:t>?</a:t>
+            </a:r>
+            <a:endParaRPr lang="en-US" sz="5400" dirty="0" smtClean="0"/>
+          </a:p>
+        </p:txBody>
+      </p:sp>
+      <p:sp>
+        <p:nvSpPr>
+          <p:cNvPr id="8" name="TextBox 7"/>
+          <p:cNvSpPr txBox="1"/>
+          <p:nvPr/>
+        </p:nvSpPr>
+        <p:spPr>
+          <a:xfrm>
+            <a:off x="5943601" y="2550530"/>
+            <a:ext cx="1354666" cy="923330"/>
+          </a:xfrm>
+          <a:prstGeom prst="rect">
+            <a:avLst/>
+          </a:prstGeom>
+          <a:noFill/>
+        </p:spPr>
+        <p:txBody>
+          <a:bodyPr wrap="square" rtlCol="0">
+            <a:spAutoFit/>
+          </a:bodyPr>
+          <a:lstStyle/>
+          <a:p>
+            <a:pPr marL="228600" indent="-228600"/>
+            <a:r>
+              <a:rPr lang="en-US" sz="5400" dirty="0" smtClean="0"/>
+              <a:t>?</a:t>
+            </a:r>
+            <a:endParaRPr lang="en-US" sz="5400" dirty="0" smtClean="0"/>
+          </a:p>
+        </p:txBody>
+      </p:sp>
+      <p:sp>
+        <p:nvSpPr>
+          <p:cNvPr id="10" name="TextBox 9"/>
+          <p:cNvSpPr txBox="1"/>
+          <p:nvPr/>
+        </p:nvSpPr>
+        <p:spPr>
+          <a:xfrm>
+            <a:off x="7222067" y="4981390"/>
+            <a:ext cx="1354666" cy="923330"/>
+          </a:xfrm>
+          <a:prstGeom prst="rect">
+            <a:avLst/>
+          </a:prstGeom>
+          <a:noFill/>
+        </p:spPr>
+        <p:txBody>
+          <a:bodyPr wrap="square" rtlCol="0">
+            <a:spAutoFit/>
+          </a:bodyPr>
+          <a:lstStyle/>
+          <a:p>
+            <a:pPr marL="228600" indent="-228600"/>
+            <a:r>
+              <a:rPr lang="en-US" sz="5400" dirty="0" smtClean="0"/>
+              <a:t>?</a:t>
+            </a:r>
+            <a:endParaRPr lang="en-US" sz="5400" dirty="0" smtClean="0"/>
+          </a:p>
+        </p:txBody>
+      </p:sp>
+      <p:sp>
+        <p:nvSpPr>
+          <p:cNvPr id="11" name="TextBox 10"/>
+          <p:cNvSpPr txBox="1"/>
+          <p:nvPr/>
+        </p:nvSpPr>
+        <p:spPr>
+          <a:xfrm>
+            <a:off x="9025467" y="3605788"/>
+            <a:ext cx="1354666" cy="923330"/>
+          </a:xfrm>
+          <a:prstGeom prst="rect">
+            <a:avLst/>
+          </a:prstGeom>
+          <a:noFill/>
+        </p:spPr>
+        <p:txBody>
+          <a:bodyPr wrap="square" rtlCol="0">
+            <a:spAutoFit/>
+          </a:bodyPr>
+          <a:lstStyle/>
+          <a:p>
+            <a:pPr marL="228600" indent="-228600"/>
+            <a:r>
+              <a:rPr lang="en-US" sz="5400" dirty="0" smtClean="0"/>
+              <a:t>?</a:t>
+            </a:r>
+            <a:endParaRPr lang="en-US" sz="5400" dirty="0" smtClean="0"/>
+          </a:p>
+        </p:txBody>
+      </p:sp>
+    </p:spTree>
+    <p:extLst>
+      <p:ext uri="{BB962C8B-B14F-4D97-AF65-F5344CB8AC3E}">
+        <p14:creationId xmlns:p14="http://schemas.microsoft.com/office/powerpoint/2010/main" val="3447623503"/>
       </p:ext>
     </p:extLst>
   </p:cSld>
